--- a/assets/slides/P2 - Java Data Access (JDBC).pptx
+++ b/assets/slides/P2 - Java Data Access (JDBC).pptx
@@ -5,10 +5,10 @@
     <p:sldMasterId id="2147483672" r:id="rId1"/>
   </p:sldMasterIdLst>
   <p:notesMasterIdLst>
-    <p:notesMasterId r:id="rId49"/>
+    <p:notesMasterId r:id="rId39"/>
   </p:notesMasterIdLst>
   <p:handoutMasterIdLst>
-    <p:handoutMasterId r:id="rId50"/>
+    <p:handoutMasterId r:id="rId40"/>
   </p:handoutMasterIdLst>
   <p:sldIdLst>
     <p:sldId id="256" r:id="rId2"/>
@@ -48,16 +48,6 @@
     <p:sldId id="329" r:id="rId36"/>
     <p:sldId id="272" r:id="rId37"/>
     <p:sldId id="330" r:id="rId38"/>
-    <p:sldId id="302" r:id="rId39"/>
-    <p:sldId id="304" r:id="rId40"/>
-    <p:sldId id="293" r:id="rId41"/>
-    <p:sldId id="306" r:id="rId42"/>
-    <p:sldId id="311" r:id="rId43"/>
-    <p:sldId id="312" r:id="rId44"/>
-    <p:sldId id="313" r:id="rId45"/>
-    <p:sldId id="314" r:id="rId46"/>
-    <p:sldId id="315" r:id="rId47"/>
-    <p:sldId id="264" r:id="rId48"/>
   </p:sldIdLst>
   <p:sldSz cx="12192000" cy="6858000"/>
   <p:notesSz cx="6858000" cy="9144000"/>
@@ -269,7 +259,7 @@
           <a:p>
             <a:fld id="{5591E39A-28E5-5D4D-B97C-ECEB96F19817}" type="datetimeFigureOut">
               <a:rPr lang="en-IT" smtClean="0"/>
-              <a:t>24/04/22</a:t>
+              <a:t>02/05/23</a:t>
             </a:fld>
             <a:endParaRPr lang="en-IT"/>
           </a:p>
@@ -448,7 +438,7 @@
             <a:fld id="{BAEB7694-8561-4BE2-948D-EDF7A201F8BB}" type="datetimeFigureOut">
               <a:rPr lang="it-IT" smtClean="0"/>
               <a:pPr/>
-              <a:t>24/04/22</a:t>
+              <a:t>02/05/23</a:t>
             </a:fld>
             <a:endParaRPr lang="it-IT"/>
           </a:p>
@@ -776,185 +766,7 @@
           <a:ln/>
           <a:extLst>
             <a:ext uri="{FAA26D3D-D897-4be2-8F04-BA451C77F1D7}">
-              <ma14:placeholderFlag xmlns:ma14="http://schemas.microsoft.com/office/mac/drawingml/2011/main" xmlns="" val="1"/>
-            </a:ext>
-          </a:extLst>
-        </p:spPr>
-      </p:sp>
-      <p:sp>
-        <p:nvSpPr>
-          <p:cNvPr id="61443" name="Rectangle 3"/>
-          <p:cNvSpPr>
-            <a:spLocks noGrp="1" noChangeArrowheads="1"/>
-          </p:cNvSpPr>
-          <p:nvPr>
-            <p:ph type="body" idx="1"/>
-          </p:nvPr>
-        </p:nvSpPr>
-        <p:spPr/>
-        <p:txBody>
-          <a:bodyPr/>
-          <a:lstStyle/>
-          <a:p>
-            <a:endParaRPr lang="en-US"/>
-          </a:p>
-        </p:txBody>
-      </p:sp>
-    </p:spTree>
-  </p:cSld>
-  <p:clrMapOvr>
-    <a:masterClrMapping/>
-  </p:clrMapOvr>
-</p:notes>
-</file>
-
-<file path=ppt/notesSlides/notesSlide2.xml><?xml version="1.0" encoding="utf-8"?>
-<p:notes xmlns:a="http://schemas.openxmlformats.org/drawingml/2006/main" xmlns:r="http://schemas.openxmlformats.org/officeDocument/2006/relationships" xmlns:p="http://schemas.openxmlformats.org/presentationml/2006/main">
-  <p:cSld>
-    <p:spTree>
-      <p:nvGrpSpPr>
-        <p:cNvPr id="1" name=""/>
-        <p:cNvGrpSpPr/>
-        <p:nvPr/>
-      </p:nvGrpSpPr>
-      <p:grpSpPr>
-        <a:xfrm>
-          <a:off x="0" y="0"/>
-          <a:ext cx="0" cy="0"/>
-          <a:chOff x="0" y="0"/>
-          <a:chExt cx="0" cy="0"/>
-        </a:xfrm>
-      </p:grpSpPr>
-      <p:sp>
-        <p:nvSpPr>
-          <p:cNvPr id="7" name="Rectangle 7"/>
-          <p:cNvSpPr>
-            <a:spLocks noGrp="1" noChangeArrowheads="1"/>
-          </p:cNvSpPr>
-          <p:nvPr>
-            <p:ph type="sldNum" sz="quarter" idx="5"/>
-          </p:nvPr>
-        </p:nvSpPr>
-        <p:spPr>
-          <a:ln/>
-        </p:spPr>
-        <p:txBody>
-          <a:bodyPr/>
-          <a:lstStyle/>
-          <a:p>
-            <a:fld id="{3F5049F4-8F92-E44D-ADDC-945418A87489}" type="slidenum">
-              <a:rPr lang="en-US"/>
-              <a:pPr/>
-              <a:t>38</a:t>
-            </a:fld>
-            <a:endParaRPr lang="en-US"/>
-          </a:p>
-        </p:txBody>
-      </p:sp>
-      <p:sp>
-        <p:nvSpPr>
-          <p:cNvPr id="61442" name="Rectangle 2"/>
-          <p:cNvSpPr>
-            <a:spLocks noGrp="1" noRot="1" noChangeAspect="1" noChangeArrowheads="1" noTextEdit="1"/>
-          </p:cNvSpPr>
-          <p:nvPr>
-            <p:ph type="sldImg"/>
-          </p:nvPr>
-        </p:nvSpPr>
-        <p:spPr>
-          <a:ln/>
-          <a:extLst>
-            <a:ext uri="{FAA26D3D-D897-4be2-8F04-BA451C77F1D7}">
-              <ma14:placeholderFlag xmlns:ma14="http://schemas.microsoft.com/office/mac/drawingml/2011/main" xmlns="" val="1"/>
-            </a:ext>
-          </a:extLst>
-        </p:spPr>
-      </p:sp>
-      <p:sp>
-        <p:nvSpPr>
-          <p:cNvPr id="61443" name="Rectangle 3"/>
-          <p:cNvSpPr>
-            <a:spLocks noGrp="1" noChangeArrowheads="1"/>
-          </p:cNvSpPr>
-          <p:nvPr>
-            <p:ph type="body" idx="1"/>
-          </p:nvPr>
-        </p:nvSpPr>
-        <p:spPr/>
-        <p:txBody>
-          <a:bodyPr/>
-          <a:lstStyle/>
-          <a:p>
-            <a:endParaRPr lang="en-US"/>
-          </a:p>
-        </p:txBody>
-      </p:sp>
-    </p:spTree>
-  </p:cSld>
-  <p:clrMapOvr>
-    <a:masterClrMapping/>
-  </p:clrMapOvr>
-</p:notes>
-</file>
-
-<file path=ppt/notesSlides/notesSlide3.xml><?xml version="1.0" encoding="utf-8"?>
-<p:notes xmlns:a="http://schemas.openxmlformats.org/drawingml/2006/main" xmlns:r="http://schemas.openxmlformats.org/officeDocument/2006/relationships" xmlns:p="http://schemas.openxmlformats.org/presentationml/2006/main">
-  <p:cSld>
-    <p:spTree>
-      <p:nvGrpSpPr>
-        <p:cNvPr id="1" name=""/>
-        <p:cNvGrpSpPr/>
-        <p:nvPr/>
-      </p:nvGrpSpPr>
-      <p:grpSpPr>
-        <a:xfrm>
-          <a:off x="0" y="0"/>
-          <a:ext cx="0" cy="0"/>
-          <a:chOff x="0" y="0"/>
-          <a:chExt cx="0" cy="0"/>
-        </a:xfrm>
-      </p:grpSpPr>
-      <p:sp>
-        <p:nvSpPr>
-          <p:cNvPr id="7" name="Rectangle 7"/>
-          <p:cNvSpPr>
-            <a:spLocks noGrp="1" noChangeArrowheads="1"/>
-          </p:cNvSpPr>
-          <p:nvPr>
-            <p:ph type="sldNum" sz="quarter" idx="5"/>
-          </p:nvPr>
-        </p:nvSpPr>
-        <p:spPr>
-          <a:ln/>
-        </p:spPr>
-        <p:txBody>
-          <a:bodyPr/>
-          <a:lstStyle/>
-          <a:p>
-            <a:fld id="{3F5049F4-8F92-E44D-ADDC-945418A87489}" type="slidenum">
-              <a:rPr lang="en-US"/>
-              <a:pPr/>
-              <a:t>42</a:t>
-            </a:fld>
-            <a:endParaRPr lang="en-US"/>
-          </a:p>
-        </p:txBody>
-      </p:sp>
-      <p:sp>
-        <p:nvSpPr>
-          <p:cNvPr id="61442" name="Rectangle 2"/>
-          <p:cNvSpPr>
-            <a:spLocks noGrp="1" noRot="1" noChangeAspect="1" noChangeArrowheads="1" noTextEdit="1"/>
-          </p:cNvSpPr>
-          <p:nvPr>
-            <p:ph type="sldImg"/>
-          </p:nvPr>
-        </p:nvSpPr>
-        <p:spPr>
-          <a:ln/>
-          <a:extLst>
-            <a:ext uri="{FAA26D3D-D897-4be2-8F04-BA451C77F1D7}">
-              <ma14:placeholderFlag xmlns:ma14="http://schemas.microsoft.com/office/mac/drawingml/2011/main" xmlns="" val="1"/>
+              <ma14:placeholderFlag xmlns="" xmlns:ma14="http://schemas.microsoft.com/office/mac/drawingml/2011/main" val="1"/>
             </a:ext>
           </a:extLst>
         </p:spPr>
@@ -13957,253 +13769,6 @@
 </p:sld>
 </file>
 
-<file path=ppt/slides/slide38.xml><?xml version="1.0" encoding="utf-8"?>
-<p:sld xmlns:a="http://schemas.openxmlformats.org/drawingml/2006/main" xmlns:r="http://schemas.openxmlformats.org/officeDocument/2006/relationships" xmlns:p="http://schemas.openxmlformats.org/presentationml/2006/main">
-  <p:cSld>
-    <p:spTree>
-      <p:nvGrpSpPr>
-        <p:cNvPr id="1" name=""/>
-        <p:cNvGrpSpPr/>
-        <p:nvPr/>
-      </p:nvGrpSpPr>
-      <p:grpSpPr>
-        <a:xfrm>
-          <a:off x="0" y="0"/>
-          <a:ext cx="0" cy="0"/>
-          <a:chOff x="0" y="0"/>
-          <a:chExt cx="0" cy="0"/>
-        </a:xfrm>
-      </p:grpSpPr>
-      <p:sp>
-        <p:nvSpPr>
-          <p:cNvPr id="2" name="Text Placeholder 1"/>
-          <p:cNvSpPr>
-            <a:spLocks noGrp="1"/>
-          </p:cNvSpPr>
-          <p:nvPr>
-            <p:ph type="body" idx="1"/>
-          </p:nvPr>
-        </p:nvSpPr>
-        <p:spPr/>
-        <p:txBody>
-          <a:bodyPr/>
-          <a:lstStyle/>
-          <a:p>
-            <a:endParaRPr lang="en-US"/>
-          </a:p>
-        </p:txBody>
-      </p:sp>
-      <p:sp>
-        <p:nvSpPr>
-          <p:cNvPr id="3" name="Title 2"/>
-          <p:cNvSpPr>
-            <a:spLocks noGrp="1"/>
-          </p:cNvSpPr>
-          <p:nvPr>
-            <p:ph type="title"/>
-          </p:nvPr>
-        </p:nvSpPr>
-        <p:spPr/>
-        <p:txBody>
-          <a:bodyPr>
-            <a:normAutofit/>
-          </a:bodyPr>
-          <a:lstStyle/>
-          <a:p>
-            <a:r>
-              <a:rPr lang="en-US" dirty="0"/>
-              <a:t>Appendix I: JDBC-ODBC</a:t>
-            </a:r>
-          </a:p>
-        </p:txBody>
-      </p:sp>
-    </p:spTree>
-    <p:extLst>
-      <p:ext uri="{BB962C8B-B14F-4D97-AF65-F5344CB8AC3E}">
-        <p14:creationId xmlns:p14="http://schemas.microsoft.com/office/powerpoint/2010/main" val="619331764"/>
-      </p:ext>
-    </p:extLst>
-  </p:cSld>
-  <p:clrMapOvr>
-    <a:masterClrMapping/>
-  </p:clrMapOvr>
-</p:sld>
-</file>
-
-<file path=ppt/slides/slide39.xml><?xml version="1.0" encoding="utf-8"?>
-<p:sld xmlns:a="http://schemas.openxmlformats.org/drawingml/2006/main" xmlns:r="http://schemas.openxmlformats.org/officeDocument/2006/relationships" xmlns:p="http://schemas.openxmlformats.org/presentationml/2006/main" showMasterPhAnim="0">
-  <p:cSld>
-    <p:spTree>
-      <p:nvGrpSpPr>
-        <p:cNvPr id="1" name=""/>
-        <p:cNvGrpSpPr/>
-        <p:nvPr/>
-      </p:nvGrpSpPr>
-      <p:grpSpPr>
-        <a:xfrm>
-          <a:off x="0" y="0"/>
-          <a:ext cx="0" cy="0"/>
-          <a:chOff x="0" y="0"/>
-          <a:chExt cx="0" cy="0"/>
-        </a:xfrm>
-      </p:grpSpPr>
-      <p:sp>
-        <p:nvSpPr>
-          <p:cNvPr id="45058" name="Rectangle 2"/>
-          <p:cNvSpPr>
-            <a:spLocks noGrp="1" noChangeArrowheads="1"/>
-          </p:cNvSpPr>
-          <p:nvPr>
-            <p:ph type="title"/>
-          </p:nvPr>
-        </p:nvSpPr>
-        <p:spPr/>
-        <p:txBody>
-          <a:bodyPr/>
-          <a:lstStyle/>
-          <a:p>
-            <a:r>
-              <a:rPr lang="en-US"/>
-              <a:t>General Architecture</a:t>
-            </a:r>
-          </a:p>
-        </p:txBody>
-      </p:sp>
-      <p:sp>
-        <p:nvSpPr>
-          <p:cNvPr id="4" name="Content Placeholder 3"/>
-          <p:cNvSpPr>
-            <a:spLocks noGrp="1"/>
-          </p:cNvSpPr>
-          <p:nvPr>
-            <p:ph idx="1"/>
-          </p:nvPr>
-        </p:nvSpPr>
-        <p:spPr/>
-        <p:txBody>
-          <a:bodyPr>
-            <a:normAutofit/>
-          </a:bodyPr>
-          <a:lstStyle/>
-          <a:p>
-            <a:r>
-              <a:rPr lang="en-US" dirty="0"/>
-              <a:t>What happens if I need to use a </a:t>
-            </a:r>
-            <a:r>
-              <a:rPr lang="en-US" i="1" dirty="0"/>
-              <a:t>rare</a:t>
-            </a:r>
-            <a:r>
-              <a:rPr lang="en-US" dirty="0"/>
-              <a:t> DBMS which is not supported by JDBC? (e.g., no driver released) ? Use </a:t>
-            </a:r>
-            <a:r>
-              <a:rPr lang="en-US" dirty="0">
-                <a:solidFill>
-                  <a:srgbClr val="E46C0A"/>
-                </a:solidFill>
-              </a:rPr>
-              <a:t>ODBC</a:t>
-            </a:r>
-            <a:r>
-              <a:rPr lang="en-US" dirty="0"/>
-              <a:t>!</a:t>
-            </a:r>
-          </a:p>
-          <a:p>
-            <a:r>
-              <a:rPr lang="en-US" dirty="0"/>
-              <a:t>Open Database Connectivity </a:t>
-            </a:r>
-            <a:r>
-              <a:rPr lang="en-US" dirty="0">
-                <a:solidFill>
-                  <a:srgbClr val="E46C0A"/>
-                </a:solidFill>
-              </a:rPr>
-              <a:t>(ODBC) </a:t>
-            </a:r>
-            <a:r>
-              <a:rPr lang="en-US" dirty="0"/>
-              <a:t>is a standard application programming interface </a:t>
-            </a:r>
-            <a:r>
-              <a:rPr lang="en-US" dirty="0">
-                <a:solidFill>
-                  <a:srgbClr val="E46C0A"/>
-                </a:solidFill>
-              </a:rPr>
-              <a:t>(API) </a:t>
-            </a:r>
-            <a:r>
-              <a:rPr lang="en-US" dirty="0"/>
-              <a:t>for accessing database management systems </a:t>
-            </a:r>
-            <a:r>
-              <a:rPr lang="en-US" dirty="0">
-                <a:solidFill>
-                  <a:srgbClr val="E46C0A"/>
-                </a:solidFill>
-              </a:rPr>
-              <a:t>(DBMS)</a:t>
-            </a:r>
-            <a:r>
-              <a:rPr lang="en-US" dirty="0"/>
-              <a:t>. </a:t>
-            </a:r>
-          </a:p>
-          <a:p>
-            <a:r>
-              <a:rPr lang="en-US" dirty="0"/>
-              <a:t>Released in 1992, it allows applications to be independent from database-specific details. Same goal as JDBC, released in 1997. </a:t>
-            </a:r>
-          </a:p>
-          <a:p>
-            <a:endParaRPr lang="en-US" dirty="0"/>
-          </a:p>
-          <a:p>
-            <a:endParaRPr lang="en-US" dirty="0"/>
-          </a:p>
-        </p:txBody>
-      </p:sp>
-      <p:sp>
-        <p:nvSpPr>
-          <p:cNvPr id="6" name="Slide Number Placeholder 5"/>
-          <p:cNvSpPr>
-            <a:spLocks noGrp="1"/>
-          </p:cNvSpPr>
-          <p:nvPr>
-            <p:ph type="sldNum" sz="quarter" idx="12"/>
-          </p:nvPr>
-        </p:nvSpPr>
-        <p:spPr/>
-        <p:txBody>
-          <a:bodyPr/>
-          <a:lstStyle/>
-          <a:p>
-            <a:fld id="{B3A78229-3126-9B4A-8B00-1ED9660AC9D7}" type="slidenum">
-              <a:rPr lang="en-US"/>
-              <a:pPr/>
-              <a:t>39</a:t>
-            </a:fld>
-            <a:endParaRPr lang="en-US"/>
-          </a:p>
-        </p:txBody>
-      </p:sp>
-    </p:spTree>
-    <p:extLst>
-      <p:ext uri="{BB962C8B-B14F-4D97-AF65-F5344CB8AC3E}">
-        <p14:creationId xmlns:p14="http://schemas.microsoft.com/office/powerpoint/2010/main" val="4071752402"/>
-      </p:ext>
-    </p:extLst>
-  </p:cSld>
-  <p:clrMapOvr>
-    <a:masterClrMapping/>
-  </p:clrMapOvr>
-</p:sld>
-</file>
-
 <file path=ppt/slides/slide4.xml><?xml version="1.0" encoding="utf-8"?>
 <p:sld xmlns:a="http://schemas.openxmlformats.org/drawingml/2006/main" xmlns:r="http://schemas.openxmlformats.org/officeDocument/2006/relationships" xmlns:p="http://schemas.openxmlformats.org/presentationml/2006/main">
   <p:cSld>
@@ -14377,1017 +13942,6 @@
         <p14:creationId xmlns:p14="http://schemas.microsoft.com/office/powerpoint/2010/main" val="1264646830"/>
       </p:ext>
     </p:extLst>
-  </p:cSld>
-  <p:clrMapOvr>
-    <a:masterClrMapping/>
-  </p:clrMapOvr>
-</p:sld>
-</file>
-
-<file path=ppt/slides/slide40.xml><?xml version="1.0" encoding="utf-8"?>
-<p:sld xmlns:a="http://schemas.openxmlformats.org/drawingml/2006/main" xmlns:r="http://schemas.openxmlformats.org/officeDocument/2006/relationships" xmlns:p="http://schemas.openxmlformats.org/presentationml/2006/main" showMasterPhAnim="0">
-  <p:cSld>
-    <p:spTree>
-      <p:nvGrpSpPr>
-        <p:cNvPr id="1" name=""/>
-        <p:cNvGrpSpPr/>
-        <p:nvPr/>
-      </p:nvGrpSpPr>
-      <p:grpSpPr>
-        <a:xfrm>
-          <a:off x="0" y="0"/>
-          <a:ext cx="0" cy="0"/>
-          <a:chOff x="0" y="0"/>
-          <a:chExt cx="0" cy="0"/>
-        </a:xfrm>
-      </p:grpSpPr>
-      <p:sp>
-        <p:nvSpPr>
-          <p:cNvPr id="75778" name="Rectangle 2"/>
-          <p:cNvSpPr>
-            <a:spLocks noGrp="1" noChangeArrowheads="1"/>
-          </p:cNvSpPr>
-          <p:nvPr>
-            <p:ph type="title"/>
-          </p:nvPr>
-        </p:nvSpPr>
-        <p:spPr/>
-        <p:txBody>
-          <a:bodyPr>
-            <a:normAutofit/>
-          </a:bodyPr>
-          <a:lstStyle/>
-          <a:p>
-            <a:r>
-              <a:rPr lang="en-US" sz="3500" dirty="0"/>
-              <a:t>JDBC-ODBC</a:t>
-            </a:r>
-          </a:p>
-        </p:txBody>
-      </p:sp>
-      <p:sp>
-        <p:nvSpPr>
-          <p:cNvPr id="7" name="Slide Number Placeholder 5"/>
-          <p:cNvSpPr>
-            <a:spLocks noGrp="1"/>
-          </p:cNvSpPr>
-          <p:nvPr>
-            <p:ph type="sldNum" sz="quarter" idx="12"/>
-          </p:nvPr>
-        </p:nvSpPr>
-        <p:spPr/>
-        <p:txBody>
-          <a:bodyPr/>
-          <a:lstStyle/>
-          <a:p>
-            <a:fld id="{BE92A46C-3EBE-064F-973A-A423F6292E23}" type="slidenum">
-              <a:rPr lang="en-US"/>
-              <a:pPr/>
-              <a:t>40</a:t>
-            </a:fld>
-            <a:endParaRPr lang="en-US"/>
-          </a:p>
-        </p:txBody>
-      </p:sp>
-      <p:pic>
-        <p:nvPicPr>
-          <p:cNvPr id="2" name="Picture 1" descr="type1.png"/>
-          <p:cNvPicPr>
-            <a:picLocks noChangeAspect="1"/>
-          </p:cNvPicPr>
-          <p:nvPr/>
-        </p:nvPicPr>
-        <p:blipFill rotWithShape="1">
-          <a:blip r:embed="rId2" cstate="print">
-            <a:extLst>
-              <a:ext uri="{28A0092B-C50C-407E-A947-70E740481C1C}">
-                <a14:useLocalDpi xmlns:a14="http://schemas.microsoft.com/office/drawing/2010/main"/>
-              </a:ext>
-            </a:extLst>
-          </a:blip>
-          <a:srcRect/>
-          <a:stretch/>
-        </p:blipFill>
-        <p:spPr>
-          <a:xfrm>
-            <a:off x="3209475" y="1744917"/>
-            <a:ext cx="5804208" cy="4202046"/>
-          </a:xfrm>
-          <a:prstGeom prst="rect">
-            <a:avLst/>
-          </a:prstGeom>
-        </p:spPr>
-      </p:pic>
-    </p:spTree>
-  </p:cSld>
-  <p:clrMapOvr>
-    <a:masterClrMapping/>
-  </p:clrMapOvr>
-</p:sld>
-</file>
-
-<file path=ppt/slides/slide41.xml><?xml version="1.0" encoding="utf-8"?>
-<p:sld xmlns:a="http://schemas.openxmlformats.org/drawingml/2006/main" xmlns:r="http://schemas.openxmlformats.org/officeDocument/2006/relationships" xmlns:p="http://schemas.openxmlformats.org/presentationml/2006/main" showMasterPhAnim="0">
-  <p:cSld>
-    <p:spTree>
-      <p:nvGrpSpPr>
-        <p:cNvPr id="1" name=""/>
-        <p:cNvGrpSpPr/>
-        <p:nvPr/>
-      </p:nvGrpSpPr>
-      <p:grpSpPr>
-        <a:xfrm>
-          <a:off x="0" y="0"/>
-          <a:ext cx="0" cy="0"/>
-          <a:chOff x="0" y="0"/>
-          <a:chExt cx="0" cy="0"/>
-        </a:xfrm>
-      </p:grpSpPr>
-      <p:sp>
-        <p:nvSpPr>
-          <p:cNvPr id="75778" name="Rectangle 2"/>
-          <p:cNvSpPr>
-            <a:spLocks noGrp="1" noChangeArrowheads="1"/>
-          </p:cNvSpPr>
-          <p:nvPr>
-            <p:ph type="title"/>
-          </p:nvPr>
-        </p:nvSpPr>
-        <p:spPr/>
-        <p:txBody>
-          <a:bodyPr>
-            <a:normAutofit/>
-          </a:bodyPr>
-          <a:lstStyle/>
-          <a:p>
-            <a:r>
-              <a:rPr lang="en-US" sz="3500" dirty="0"/>
-              <a:t>JDBC-ODBC</a:t>
-            </a:r>
-          </a:p>
-        </p:txBody>
-      </p:sp>
-      <p:sp>
-        <p:nvSpPr>
-          <p:cNvPr id="3" name="Content Placeholder 2"/>
-          <p:cNvSpPr>
-            <a:spLocks noGrp="1"/>
-          </p:cNvSpPr>
-          <p:nvPr>
-            <p:ph idx="1"/>
-          </p:nvPr>
-        </p:nvSpPr>
-        <p:spPr/>
-        <p:txBody>
-          <a:bodyPr>
-            <a:normAutofit/>
-          </a:bodyPr>
-          <a:lstStyle/>
-          <a:p>
-            <a:pPr marL="0" indent="0" algn="just">
-              <a:buNone/>
-            </a:pPr>
-            <a:r>
-              <a:rPr lang="en-US" sz="2800" dirty="0">
-                <a:solidFill>
-                  <a:srgbClr val="E46C0A"/>
-                </a:solidFill>
-              </a:rPr>
-              <a:t>A JDBC-ODBC bridge consists of a JDBC driver which employs an ODBC driver to connect to a target database. </a:t>
-            </a:r>
-            <a:r>
-              <a:rPr lang="en-US" sz="2800" dirty="0"/>
-              <a:t>This driver translates JDBC method calls into ODBC function calls. Programmers usually use such a bridge when a given database lacks a JDBC driver, but is accessible through an ODBC driver. </a:t>
-            </a:r>
-          </a:p>
-          <a:p>
-            <a:pPr marL="0" indent="0" algn="just">
-              <a:buNone/>
-            </a:pPr>
-            <a:r>
-              <a:rPr lang="en-US" sz="2800" i="1" dirty="0"/>
-              <a:t>Vendors deliver JDBC-ODBC bridges which far outperform the JVM built-in (Removed from JVM since Java8).</a:t>
-            </a:r>
-          </a:p>
-        </p:txBody>
-      </p:sp>
-      <p:sp>
-        <p:nvSpPr>
-          <p:cNvPr id="7" name="Slide Number Placeholder 5"/>
-          <p:cNvSpPr>
-            <a:spLocks noGrp="1"/>
-          </p:cNvSpPr>
-          <p:nvPr>
-            <p:ph type="sldNum" sz="quarter" idx="12"/>
-          </p:nvPr>
-        </p:nvSpPr>
-        <p:spPr/>
-        <p:txBody>
-          <a:bodyPr/>
-          <a:lstStyle/>
-          <a:p>
-            <a:fld id="{BE92A46C-3EBE-064F-973A-A423F6292E23}" type="slidenum">
-              <a:rPr lang="en-US"/>
-              <a:pPr/>
-              <a:t>41</a:t>
-            </a:fld>
-            <a:endParaRPr lang="en-US"/>
-          </a:p>
-        </p:txBody>
-      </p:sp>
-    </p:spTree>
-    <p:extLst>
-      <p:ext uri="{BB962C8B-B14F-4D97-AF65-F5344CB8AC3E}">
-        <p14:creationId xmlns:p14="http://schemas.microsoft.com/office/powerpoint/2010/main" val="4148705274"/>
-      </p:ext>
-    </p:extLst>
-  </p:cSld>
-  <p:clrMapOvr>
-    <a:masterClrMapping/>
-  </p:clrMapOvr>
-</p:sld>
-</file>
-
-<file path=ppt/slides/slide42.xml><?xml version="1.0" encoding="utf-8"?>
-<p:sld xmlns:a="http://schemas.openxmlformats.org/drawingml/2006/main" xmlns:r="http://schemas.openxmlformats.org/officeDocument/2006/relationships" xmlns:p="http://schemas.openxmlformats.org/presentationml/2006/main">
-  <p:cSld>
-    <p:spTree>
-      <p:nvGrpSpPr>
-        <p:cNvPr id="1" name=""/>
-        <p:cNvGrpSpPr/>
-        <p:nvPr/>
-      </p:nvGrpSpPr>
-      <p:grpSpPr>
-        <a:xfrm>
-          <a:off x="0" y="0"/>
-          <a:ext cx="0" cy="0"/>
-          <a:chOff x="0" y="0"/>
-          <a:chExt cx="0" cy="0"/>
-        </a:xfrm>
-      </p:grpSpPr>
-      <p:sp>
-        <p:nvSpPr>
-          <p:cNvPr id="3" name="Title 2"/>
-          <p:cNvSpPr>
-            <a:spLocks noGrp="1"/>
-          </p:cNvSpPr>
-          <p:nvPr>
-            <p:ph type="title"/>
-          </p:nvPr>
-        </p:nvSpPr>
-        <p:spPr/>
-        <p:txBody>
-          <a:bodyPr/>
-          <a:lstStyle/>
-          <a:p>
-            <a:r>
-              <a:rPr lang="en-US" dirty="0" err="1"/>
-              <a:t>APPENdiX</a:t>
-            </a:r>
-            <a:r>
-              <a:rPr lang="en-US" dirty="0"/>
-              <a:t> II: Driver types</a:t>
-            </a:r>
-          </a:p>
-        </p:txBody>
-      </p:sp>
-      <p:sp>
-        <p:nvSpPr>
-          <p:cNvPr id="4" name="Text Placeholder 3"/>
-          <p:cNvSpPr>
-            <a:spLocks noGrp="1"/>
-          </p:cNvSpPr>
-          <p:nvPr>
-            <p:ph type="body" idx="1"/>
-          </p:nvPr>
-        </p:nvSpPr>
-        <p:spPr/>
-        <p:txBody>
-          <a:bodyPr/>
-          <a:lstStyle/>
-          <a:p>
-            <a:endParaRPr lang="en-US"/>
-          </a:p>
-        </p:txBody>
-      </p:sp>
-    </p:spTree>
-    <p:extLst>
-      <p:ext uri="{BB962C8B-B14F-4D97-AF65-F5344CB8AC3E}">
-        <p14:creationId xmlns:p14="http://schemas.microsoft.com/office/powerpoint/2010/main" val="3938625328"/>
-      </p:ext>
-    </p:extLst>
-  </p:cSld>
-  <p:clrMapOvr>
-    <a:masterClrMapping/>
-  </p:clrMapOvr>
-</p:sld>
-</file>
-
-<file path=ppt/slides/slide43.xml><?xml version="1.0" encoding="utf-8"?>
-<p:sld xmlns:a="http://schemas.openxmlformats.org/drawingml/2006/main" xmlns:r="http://schemas.openxmlformats.org/officeDocument/2006/relationships" xmlns:p="http://schemas.openxmlformats.org/presentationml/2006/main">
-  <p:cSld>
-    <p:spTree>
-      <p:nvGrpSpPr>
-        <p:cNvPr id="1" name=""/>
-        <p:cNvGrpSpPr/>
-        <p:nvPr/>
-      </p:nvGrpSpPr>
-      <p:grpSpPr>
-        <a:xfrm>
-          <a:off x="0" y="0"/>
-          <a:ext cx="0" cy="0"/>
-          <a:chOff x="0" y="0"/>
-          <a:chExt cx="0" cy="0"/>
-        </a:xfrm>
-      </p:grpSpPr>
-      <p:sp>
-        <p:nvSpPr>
-          <p:cNvPr id="2" name="Title 1"/>
-          <p:cNvSpPr>
-            <a:spLocks noGrp="1"/>
-          </p:cNvSpPr>
-          <p:nvPr>
-            <p:ph type="title"/>
-          </p:nvPr>
-        </p:nvSpPr>
-        <p:spPr/>
-        <p:txBody>
-          <a:bodyPr/>
-          <a:lstStyle/>
-          <a:p>
-            <a:r>
-              <a:rPr lang="en-US" dirty="0"/>
-              <a:t>Type 1 JDBC Driver</a:t>
-            </a:r>
-          </a:p>
-        </p:txBody>
-      </p:sp>
-      <p:pic>
-        <p:nvPicPr>
-          <p:cNvPr id="5" name="Content Placeholder 4" descr="Screen Shot 2017-12-22 at 16.24.31 (2).png"/>
-          <p:cNvPicPr>
-            <a:picLocks noGrp="1" noChangeAspect="1"/>
-          </p:cNvPicPr>
-          <p:nvPr>
-            <p:ph idx="1"/>
-          </p:nvPr>
-        </p:nvPicPr>
-        <p:blipFill>
-          <a:blip r:embed="rId2" cstate="print">
-            <a:extLst>
-              <a:ext uri="{28A0092B-C50C-407E-A947-70E740481C1C}">
-                <a14:useLocalDpi xmlns:a14="http://schemas.microsoft.com/office/drawing/2010/main"/>
-              </a:ext>
-            </a:extLst>
-          </a:blip>
-          <a:srcRect l="-24698" r="-24698"/>
-          <a:stretch>
-            <a:fillRect/>
-          </a:stretch>
-        </p:blipFill>
-        <p:spPr>
-          <a:xfrm>
-            <a:off x="1768624" y="1627188"/>
-            <a:ext cx="8654752" cy="4525963"/>
-          </a:xfrm>
-        </p:spPr>
-      </p:pic>
-      <p:sp>
-        <p:nvSpPr>
-          <p:cNvPr id="4" name="Slide Number Placeholder 3"/>
-          <p:cNvSpPr>
-            <a:spLocks noGrp="1"/>
-          </p:cNvSpPr>
-          <p:nvPr>
-            <p:ph type="sldNum" sz="quarter" idx="12"/>
-          </p:nvPr>
-        </p:nvSpPr>
-        <p:spPr/>
-        <p:txBody>
-          <a:bodyPr/>
-          <a:lstStyle/>
-          <a:p>
-            <a:fld id="{4C5F9F1B-9DEF-0147-BEFB-CE1B18546A63}" type="slidenum">
-              <a:rPr lang="en-US" smtClean="0"/>
-              <a:pPr/>
-              <a:t>43</a:t>
-            </a:fld>
-            <a:endParaRPr lang="en-US"/>
-          </a:p>
-        </p:txBody>
-      </p:sp>
-    </p:spTree>
-    <p:extLst>
-      <p:ext uri="{BB962C8B-B14F-4D97-AF65-F5344CB8AC3E}">
-        <p14:creationId xmlns:p14="http://schemas.microsoft.com/office/powerpoint/2010/main" val="1316600950"/>
-      </p:ext>
-    </p:extLst>
-  </p:cSld>
-  <p:clrMapOvr>
-    <a:masterClrMapping/>
-  </p:clrMapOvr>
-</p:sld>
-</file>
-
-<file path=ppt/slides/slide44.xml><?xml version="1.0" encoding="utf-8"?>
-<p:sld xmlns:a="http://schemas.openxmlformats.org/drawingml/2006/main" xmlns:r="http://schemas.openxmlformats.org/officeDocument/2006/relationships" xmlns:p="http://schemas.openxmlformats.org/presentationml/2006/main">
-  <p:cSld>
-    <p:spTree>
-      <p:nvGrpSpPr>
-        <p:cNvPr id="1" name=""/>
-        <p:cNvGrpSpPr/>
-        <p:nvPr/>
-      </p:nvGrpSpPr>
-      <p:grpSpPr>
-        <a:xfrm>
-          <a:off x="0" y="0"/>
-          <a:ext cx="0" cy="0"/>
-          <a:chOff x="0" y="0"/>
-          <a:chExt cx="0" cy="0"/>
-        </a:xfrm>
-      </p:grpSpPr>
-      <p:sp>
-        <p:nvSpPr>
-          <p:cNvPr id="2" name="Title 1"/>
-          <p:cNvSpPr>
-            <a:spLocks noGrp="1"/>
-          </p:cNvSpPr>
-          <p:nvPr>
-            <p:ph type="title"/>
-          </p:nvPr>
-        </p:nvSpPr>
-        <p:spPr/>
-        <p:txBody>
-          <a:bodyPr/>
-          <a:lstStyle/>
-          <a:p>
-            <a:r>
-              <a:rPr lang="en-US" dirty="0"/>
-              <a:t>Type 2 JDBC Driver</a:t>
-            </a:r>
-          </a:p>
-        </p:txBody>
-      </p:sp>
-      <p:sp>
-        <p:nvSpPr>
-          <p:cNvPr id="4" name="Slide Number Placeholder 3"/>
-          <p:cNvSpPr>
-            <a:spLocks noGrp="1"/>
-          </p:cNvSpPr>
-          <p:nvPr>
-            <p:ph type="sldNum" sz="quarter" idx="12"/>
-          </p:nvPr>
-        </p:nvSpPr>
-        <p:spPr/>
-        <p:txBody>
-          <a:bodyPr/>
-          <a:lstStyle/>
-          <a:p>
-            <a:fld id="{4C5F9F1B-9DEF-0147-BEFB-CE1B18546A63}" type="slidenum">
-              <a:rPr lang="en-US" smtClean="0"/>
-              <a:pPr/>
-              <a:t>44</a:t>
-            </a:fld>
-            <a:endParaRPr lang="en-US"/>
-          </a:p>
-        </p:txBody>
-      </p:sp>
-      <p:pic>
-        <p:nvPicPr>
-          <p:cNvPr id="7" name="Content Placeholder 6" descr="Screen Shot 2017-12-22 at 16.24.52 (2).png"/>
-          <p:cNvPicPr>
-            <a:picLocks noGrp="1" noChangeAspect="1"/>
-          </p:cNvPicPr>
-          <p:nvPr>
-            <p:ph idx="1"/>
-          </p:nvPr>
-        </p:nvPicPr>
-        <p:blipFill>
-          <a:blip r:embed="rId2" cstate="print">
-            <a:extLst>
-              <a:ext uri="{28A0092B-C50C-407E-A947-70E740481C1C}">
-                <a14:useLocalDpi xmlns:a14="http://schemas.microsoft.com/office/drawing/2010/main"/>
-              </a:ext>
-            </a:extLst>
-          </a:blip>
-          <a:srcRect l="-26052" r="-26052"/>
-          <a:stretch>
-            <a:fillRect/>
-          </a:stretch>
-        </p:blipFill>
-        <p:spPr>
-          <a:xfrm>
-            <a:off x="1660612" y="1627188"/>
-            <a:ext cx="8870776" cy="4525963"/>
-          </a:xfrm>
-        </p:spPr>
-      </p:pic>
-    </p:spTree>
-    <p:extLst>
-      <p:ext uri="{BB962C8B-B14F-4D97-AF65-F5344CB8AC3E}">
-        <p14:creationId xmlns:p14="http://schemas.microsoft.com/office/powerpoint/2010/main" val="788463786"/>
-      </p:ext>
-    </p:extLst>
-  </p:cSld>
-  <p:clrMapOvr>
-    <a:masterClrMapping/>
-  </p:clrMapOvr>
-</p:sld>
-</file>
-
-<file path=ppt/slides/slide45.xml><?xml version="1.0" encoding="utf-8"?>
-<p:sld xmlns:a="http://schemas.openxmlformats.org/drawingml/2006/main" xmlns:r="http://schemas.openxmlformats.org/officeDocument/2006/relationships" xmlns:p="http://schemas.openxmlformats.org/presentationml/2006/main">
-  <p:cSld>
-    <p:spTree>
-      <p:nvGrpSpPr>
-        <p:cNvPr id="1" name=""/>
-        <p:cNvGrpSpPr/>
-        <p:nvPr/>
-      </p:nvGrpSpPr>
-      <p:grpSpPr>
-        <a:xfrm>
-          <a:off x="0" y="0"/>
-          <a:ext cx="0" cy="0"/>
-          <a:chOff x="0" y="0"/>
-          <a:chExt cx="0" cy="0"/>
-        </a:xfrm>
-      </p:grpSpPr>
-      <p:sp>
-        <p:nvSpPr>
-          <p:cNvPr id="2" name="Title 1"/>
-          <p:cNvSpPr>
-            <a:spLocks noGrp="1"/>
-          </p:cNvSpPr>
-          <p:nvPr>
-            <p:ph type="title"/>
-          </p:nvPr>
-        </p:nvSpPr>
-        <p:spPr/>
-        <p:txBody>
-          <a:bodyPr/>
-          <a:lstStyle/>
-          <a:p>
-            <a:r>
-              <a:rPr lang="en-US" dirty="0"/>
-              <a:t>Type 3 JDBC Driver</a:t>
-            </a:r>
-          </a:p>
-        </p:txBody>
-      </p:sp>
-      <p:sp>
-        <p:nvSpPr>
-          <p:cNvPr id="4" name="Slide Number Placeholder 3"/>
-          <p:cNvSpPr>
-            <a:spLocks noGrp="1"/>
-          </p:cNvSpPr>
-          <p:nvPr>
-            <p:ph type="sldNum" sz="quarter" idx="12"/>
-          </p:nvPr>
-        </p:nvSpPr>
-        <p:spPr/>
-        <p:txBody>
-          <a:bodyPr/>
-          <a:lstStyle/>
-          <a:p>
-            <a:fld id="{4C5F9F1B-9DEF-0147-BEFB-CE1B18546A63}" type="slidenum">
-              <a:rPr lang="en-US" smtClean="0"/>
-              <a:pPr/>
-              <a:t>45</a:t>
-            </a:fld>
-            <a:endParaRPr lang="en-US"/>
-          </a:p>
-        </p:txBody>
-      </p:sp>
-      <p:pic>
-        <p:nvPicPr>
-          <p:cNvPr id="6" name="Content Placeholder 5" descr="Screen Shot 2017-12-22 at 16.23.19 (2).png"/>
-          <p:cNvPicPr>
-            <a:picLocks noGrp="1" noChangeAspect="1"/>
-          </p:cNvPicPr>
-          <p:nvPr>
-            <p:ph idx="1"/>
-          </p:nvPr>
-        </p:nvPicPr>
-        <p:blipFill>
-          <a:blip r:embed="rId2" cstate="print">
-            <a:extLst>
-              <a:ext uri="{28A0092B-C50C-407E-A947-70E740481C1C}">
-                <a14:useLocalDpi xmlns:a14="http://schemas.microsoft.com/office/drawing/2010/main"/>
-              </a:ext>
-            </a:extLst>
-          </a:blip>
-          <a:srcRect l="-15769" r="-15769"/>
-          <a:stretch>
-            <a:fillRect/>
-          </a:stretch>
-        </p:blipFill>
-        <p:spPr>
-          <a:xfrm>
-            <a:off x="1516596" y="1627188"/>
-            <a:ext cx="9158808" cy="4525963"/>
-          </a:xfrm>
-        </p:spPr>
-      </p:pic>
-    </p:spTree>
-    <p:extLst>
-      <p:ext uri="{BB962C8B-B14F-4D97-AF65-F5344CB8AC3E}">
-        <p14:creationId xmlns:p14="http://schemas.microsoft.com/office/powerpoint/2010/main" val="2432575962"/>
-      </p:ext>
-    </p:extLst>
-  </p:cSld>
-  <p:clrMapOvr>
-    <a:masterClrMapping/>
-  </p:clrMapOvr>
-</p:sld>
-</file>
-
-<file path=ppt/slides/slide46.xml><?xml version="1.0" encoding="utf-8"?>
-<p:sld xmlns:a="http://schemas.openxmlformats.org/drawingml/2006/main" xmlns:r="http://schemas.openxmlformats.org/officeDocument/2006/relationships" xmlns:p="http://schemas.openxmlformats.org/presentationml/2006/main">
-  <p:cSld>
-    <p:spTree>
-      <p:nvGrpSpPr>
-        <p:cNvPr id="1" name=""/>
-        <p:cNvGrpSpPr/>
-        <p:nvPr/>
-      </p:nvGrpSpPr>
-      <p:grpSpPr>
-        <a:xfrm>
-          <a:off x="0" y="0"/>
-          <a:ext cx="0" cy="0"/>
-          <a:chOff x="0" y="0"/>
-          <a:chExt cx="0" cy="0"/>
-        </a:xfrm>
-      </p:grpSpPr>
-      <p:sp>
-        <p:nvSpPr>
-          <p:cNvPr id="2" name="Title 1"/>
-          <p:cNvSpPr>
-            <a:spLocks noGrp="1"/>
-          </p:cNvSpPr>
-          <p:nvPr>
-            <p:ph type="title"/>
-          </p:nvPr>
-        </p:nvSpPr>
-        <p:spPr/>
-        <p:txBody>
-          <a:bodyPr/>
-          <a:lstStyle/>
-          <a:p>
-            <a:r>
-              <a:rPr lang="en-US" dirty="0"/>
-              <a:t>Type 4 JDBC Driver</a:t>
-            </a:r>
-          </a:p>
-        </p:txBody>
-      </p:sp>
-      <p:sp>
-        <p:nvSpPr>
-          <p:cNvPr id="4" name="Slide Number Placeholder 3"/>
-          <p:cNvSpPr>
-            <a:spLocks noGrp="1"/>
-          </p:cNvSpPr>
-          <p:nvPr>
-            <p:ph type="sldNum" sz="quarter" idx="12"/>
-          </p:nvPr>
-        </p:nvSpPr>
-        <p:spPr/>
-        <p:txBody>
-          <a:bodyPr/>
-          <a:lstStyle/>
-          <a:p>
-            <a:fld id="{4C5F9F1B-9DEF-0147-BEFB-CE1B18546A63}" type="slidenum">
-              <a:rPr lang="en-US" smtClean="0"/>
-              <a:pPr/>
-              <a:t>46</a:t>
-            </a:fld>
-            <a:endParaRPr lang="en-US"/>
-          </a:p>
-        </p:txBody>
-      </p:sp>
-      <p:pic>
-        <p:nvPicPr>
-          <p:cNvPr id="6" name="Content Placeholder 5" descr="Screen Shot 2017-12-22 at 16.23.21 (2).png"/>
-          <p:cNvPicPr>
-            <a:picLocks noGrp="1" noChangeAspect="1"/>
-          </p:cNvPicPr>
-          <p:nvPr>
-            <p:ph idx="1"/>
-          </p:nvPr>
-        </p:nvPicPr>
-        <p:blipFill>
-          <a:blip r:embed="rId2" cstate="print">
-            <a:extLst>
-              <a:ext uri="{28A0092B-C50C-407E-A947-70E740481C1C}">
-                <a14:useLocalDpi xmlns:a14="http://schemas.microsoft.com/office/drawing/2010/main"/>
-              </a:ext>
-            </a:extLst>
-          </a:blip>
-          <a:srcRect l="-31137" r="-31137"/>
-          <a:stretch>
-            <a:fillRect/>
-          </a:stretch>
-        </p:blipFill>
-        <p:spPr>
-          <a:xfrm>
-            <a:off x="1847528" y="1627188"/>
-            <a:ext cx="8654752" cy="4525963"/>
-          </a:xfrm>
-        </p:spPr>
-      </p:pic>
-    </p:spTree>
-    <p:extLst>
-      <p:ext uri="{BB962C8B-B14F-4D97-AF65-F5344CB8AC3E}">
-        <p14:creationId xmlns:p14="http://schemas.microsoft.com/office/powerpoint/2010/main" val="3338878954"/>
-      </p:ext>
-    </p:extLst>
-  </p:cSld>
-  <p:clrMapOvr>
-    <a:masterClrMapping/>
-  </p:clrMapOvr>
-</p:sld>
-</file>
-
-<file path=ppt/slides/slide47.xml><?xml version="1.0" encoding="utf-8"?>
-<p:sld xmlns:a="http://schemas.openxmlformats.org/drawingml/2006/main" xmlns:r="http://schemas.openxmlformats.org/officeDocument/2006/relationships" xmlns:p="http://schemas.openxmlformats.org/presentationml/2006/main">
-  <p:cSld>
-    <p:spTree>
-      <p:nvGrpSpPr>
-        <p:cNvPr id="1" name=""/>
-        <p:cNvGrpSpPr/>
-        <p:nvPr/>
-      </p:nvGrpSpPr>
-      <p:grpSpPr>
-        <a:xfrm>
-          <a:off x="0" y="0"/>
-          <a:ext cx="0" cy="0"/>
-          <a:chOff x="0" y="0"/>
-          <a:chExt cx="0" cy="0"/>
-        </a:xfrm>
-      </p:grpSpPr>
-      <p:sp>
-        <p:nvSpPr>
-          <p:cNvPr id="21506" name="Rectangle 2"/>
-          <p:cNvSpPr>
-            <a:spLocks noGrp="1" noChangeArrowheads="1"/>
-          </p:cNvSpPr>
-          <p:nvPr>
-            <p:ph type="title"/>
-          </p:nvPr>
-        </p:nvSpPr>
-        <p:spPr/>
-        <p:txBody>
-          <a:bodyPr/>
-          <a:lstStyle/>
-          <a:p>
-            <a:r>
-              <a:rPr lang="en-US" altLang="zh-TW" dirty="0">
-                <a:ea typeface="標楷體" charset="0"/>
-                <a:cs typeface="標楷體" charset="0"/>
-              </a:rPr>
-              <a:t>References</a:t>
-            </a:r>
-          </a:p>
-        </p:txBody>
-      </p:sp>
-      <p:sp>
-        <p:nvSpPr>
-          <p:cNvPr id="21507" name="Rectangle 3"/>
-          <p:cNvSpPr>
-            <a:spLocks noGrp="1" noChangeArrowheads="1"/>
-          </p:cNvSpPr>
-          <p:nvPr>
-            <p:ph idx="1"/>
-          </p:nvPr>
-        </p:nvSpPr>
-        <p:spPr/>
-        <p:txBody>
-          <a:bodyPr/>
-          <a:lstStyle/>
-          <a:p>
-            <a:pPr>
-              <a:lnSpc>
-                <a:spcPct val="90000"/>
-              </a:lnSpc>
-            </a:pPr>
-            <a:r>
-              <a:rPr lang="en-US" altLang="zh-TW" sz="2100">
-                <a:ea typeface="標楷體" charset="0"/>
-                <a:cs typeface="標楷體" charset="0"/>
-              </a:rPr>
-              <a:t>JDBC Data Access API – JDBC Technology Homepage</a:t>
-            </a:r>
-          </a:p>
-          <a:p>
-            <a:pPr lvl="1">
-              <a:lnSpc>
-                <a:spcPct val="90000"/>
-              </a:lnSpc>
-            </a:pPr>
-            <a:r>
-              <a:rPr lang="en-US" altLang="zh-TW" sz="1900">
-                <a:ea typeface="標楷體" charset="0"/>
-                <a:cs typeface="標楷體" charset="0"/>
-                <a:hlinkClick r:id="rId2"/>
-              </a:rPr>
-              <a:t>http://java.sun.com/products/jdbc/index.html</a:t>
-            </a:r>
-            <a:endParaRPr lang="en-US" altLang="zh-TW" sz="1900">
-              <a:ea typeface="標楷體" charset="0"/>
-              <a:cs typeface="標楷體" charset="0"/>
-            </a:endParaRPr>
-          </a:p>
-          <a:p>
-            <a:pPr>
-              <a:lnSpc>
-                <a:spcPct val="90000"/>
-              </a:lnSpc>
-            </a:pPr>
-            <a:r>
-              <a:rPr lang="en-US" altLang="zh-TW" sz="2100">
-                <a:ea typeface="標楷體" charset="0"/>
-                <a:cs typeface="標楷體" charset="0"/>
-              </a:rPr>
-              <a:t>JDBC Database Access – The Java Tutorial</a:t>
-            </a:r>
-          </a:p>
-          <a:p>
-            <a:pPr lvl="1">
-              <a:lnSpc>
-                <a:spcPct val="90000"/>
-              </a:lnSpc>
-            </a:pPr>
-            <a:r>
-              <a:rPr lang="en-US" altLang="zh-TW" sz="1900">
-                <a:ea typeface="標楷體" charset="0"/>
-                <a:cs typeface="標楷體" charset="0"/>
-                <a:hlinkClick r:id="rId3"/>
-              </a:rPr>
-              <a:t>http://java.sun.com/docs/books/tutorial/jdbc/index.html</a:t>
-            </a:r>
-            <a:endParaRPr lang="en-US" altLang="zh-TW" sz="1900">
-              <a:ea typeface="標楷體" charset="0"/>
-              <a:cs typeface="標楷體" charset="0"/>
-            </a:endParaRPr>
-          </a:p>
-          <a:p>
-            <a:pPr>
-              <a:lnSpc>
-                <a:spcPct val="90000"/>
-              </a:lnSpc>
-            </a:pPr>
-            <a:r>
-              <a:rPr lang="en-US" altLang="zh-TW" sz="2100">
-                <a:ea typeface="標楷體" charset="0"/>
-                <a:cs typeface="標楷體" charset="0"/>
-              </a:rPr>
-              <a:t>JDBC Documentation</a:t>
-            </a:r>
-          </a:p>
-          <a:p>
-            <a:pPr lvl="1">
-              <a:lnSpc>
-                <a:spcPct val="90000"/>
-              </a:lnSpc>
-            </a:pPr>
-            <a:r>
-              <a:rPr lang="en-US" altLang="zh-TW" sz="1900">
-                <a:ea typeface="標楷體" charset="0"/>
-                <a:cs typeface="標楷體" charset="0"/>
-                <a:hlinkClick r:id="rId4"/>
-              </a:rPr>
-              <a:t>http://java.sun.com/j2se/1.4.2/docs/guide/jdbc/index.html</a:t>
-            </a:r>
-            <a:endParaRPr lang="en-US" altLang="zh-TW" sz="1900">
-              <a:ea typeface="標楷體" charset="0"/>
-              <a:cs typeface="標楷體" charset="0"/>
-            </a:endParaRPr>
-          </a:p>
-          <a:p>
-            <a:pPr>
-              <a:lnSpc>
-                <a:spcPct val="90000"/>
-              </a:lnSpc>
-            </a:pPr>
-            <a:r>
-              <a:rPr lang="en-US" altLang="zh-TW" sz="2100">
-                <a:ea typeface="標楷體" charset="0"/>
-                <a:cs typeface="標楷體" charset="0"/>
-              </a:rPr>
-              <a:t>java.sql package</a:t>
-            </a:r>
-          </a:p>
-          <a:p>
-            <a:pPr lvl="1">
-              <a:lnSpc>
-                <a:spcPct val="90000"/>
-              </a:lnSpc>
-            </a:pPr>
-            <a:r>
-              <a:rPr lang="en-US" altLang="zh-TW" sz="1700">
-                <a:ea typeface="標楷體" charset="0"/>
-                <a:cs typeface="標楷體" charset="0"/>
-                <a:hlinkClick r:id="rId5"/>
-              </a:rPr>
-              <a:t>http://java.sun.com/j2se/1.4.2/docs/api/java/sql/package-summary.html</a:t>
-            </a:r>
-            <a:endParaRPr lang="en-US" altLang="zh-TW" sz="1700">
-              <a:ea typeface="標楷體" charset="0"/>
-              <a:cs typeface="標楷體" charset="0"/>
-            </a:endParaRPr>
-          </a:p>
-          <a:p>
-            <a:pPr>
-              <a:lnSpc>
-                <a:spcPct val="90000"/>
-              </a:lnSpc>
-            </a:pPr>
-            <a:r>
-              <a:rPr lang="en-US" altLang="zh-TW" sz="2100">
-                <a:ea typeface="標楷體" charset="0"/>
-                <a:cs typeface="標楷體" charset="0"/>
-              </a:rPr>
-              <a:t>JDBC Technology Guide: Getting Started</a:t>
-            </a:r>
-          </a:p>
-          <a:p>
-            <a:pPr lvl="1">
-              <a:lnSpc>
-                <a:spcPct val="90000"/>
-              </a:lnSpc>
-            </a:pPr>
-            <a:r>
-              <a:rPr lang="en-US" altLang="zh-TW" sz="1300">
-                <a:ea typeface="標楷體" charset="0"/>
-                <a:cs typeface="標楷體" charset="0"/>
-                <a:hlinkClick r:id="rId6"/>
-              </a:rPr>
-              <a:t>http://java.sun.com/j2se/1.4.2/docs/guide/jdbc/getstart/GettingStartedTOC.fm.html</a:t>
-            </a:r>
-            <a:endParaRPr lang="en-US" altLang="zh-TW" sz="1300">
-              <a:ea typeface="標楷體" charset="0"/>
-              <a:cs typeface="標楷體" charset="0"/>
-            </a:endParaRPr>
-          </a:p>
-          <a:p>
-            <a:pPr>
-              <a:lnSpc>
-                <a:spcPct val="90000"/>
-              </a:lnSpc>
-            </a:pPr>
-            <a:r>
-              <a:rPr lang="en-US" altLang="zh-TW" sz="2100">
-                <a:ea typeface="標楷體" charset="0"/>
-                <a:cs typeface="標楷體" charset="0"/>
-              </a:rPr>
-              <a:t>JDBC API Tutorial and Reference (book)</a:t>
-            </a:r>
-          </a:p>
-          <a:p>
-            <a:pPr lvl="1">
-              <a:lnSpc>
-                <a:spcPct val="90000"/>
-              </a:lnSpc>
-            </a:pPr>
-            <a:r>
-              <a:rPr lang="en-US" altLang="zh-TW" sz="1900">
-                <a:ea typeface="標楷體" charset="0"/>
-                <a:cs typeface="標楷體" charset="0"/>
-                <a:hlinkClick r:id="rId7"/>
-              </a:rPr>
-              <a:t>http://java.sun.com/docs/books/jdbc/</a:t>
-            </a:r>
-            <a:endParaRPr lang="en-US" altLang="zh-TW" sz="1900">
-              <a:ea typeface="標楷體" charset="0"/>
-              <a:cs typeface="標楷體" charset="0"/>
-            </a:endParaRPr>
-          </a:p>
-        </p:txBody>
-      </p:sp>
-      <p:sp>
-        <p:nvSpPr>
-          <p:cNvPr id="5" name="Slide Number Placeholder 5"/>
-          <p:cNvSpPr>
-            <a:spLocks noGrp="1"/>
-          </p:cNvSpPr>
-          <p:nvPr>
-            <p:ph type="sldNum" sz="quarter" idx="12"/>
-          </p:nvPr>
-        </p:nvSpPr>
-        <p:spPr/>
-        <p:txBody>
-          <a:bodyPr/>
-          <a:lstStyle/>
-          <a:p>
-            <a:fld id="{891167B8-C76A-124F-A990-0C58BA3CE8A9}" type="slidenum">
-              <a:rPr lang="en-US"/>
-              <a:pPr/>
-              <a:t>47</a:t>
-            </a:fld>
-            <a:endParaRPr lang="en-US"/>
-          </a:p>
-        </p:txBody>
-      </p:sp>
-    </p:spTree>
   </p:cSld>
   <p:clrMapOvr>
     <a:masterClrMapping/>
@@ -16285,242 +14839,166 @@
               <a:buNone/>
             </a:pPr>
             <a:r>
-              <a:rPr lang="en-GB" sz="1200" dirty="0"/>
+              <a:rPr lang="en-GB" sz="1400" dirty="0"/>
               <a:t>apply plugin: 'java-library'</a:t>
             </a:r>
             <a:br>
-              <a:rPr lang="en-GB" sz="1200" dirty="0"/>
+              <a:rPr lang="en-GB" sz="1400" dirty="0"/>
             </a:br>
             <a:r>
-              <a:rPr lang="en-GB" sz="1200" dirty="0"/>
+              <a:rPr lang="en-GB" sz="1400" dirty="0"/>
               <a:t>apply plugin: 'idea'</a:t>
             </a:r>
             <a:br>
-              <a:rPr lang="en-GB" sz="1200" dirty="0"/>
+              <a:rPr lang="en-GB" sz="1400" dirty="0"/>
             </a:br>
             <a:br>
-              <a:rPr lang="en-GB" sz="1200" dirty="0"/>
+              <a:rPr lang="en-GB" sz="1400" dirty="0"/>
             </a:br>
             <a:r>
-              <a:rPr lang="en-GB" sz="1200" dirty="0"/>
+              <a:rPr lang="en-GB" sz="1400" dirty="0"/>
               <a:t>group '</a:t>
             </a:r>
             <a:r>
-              <a:rPr lang="en-GB" sz="1200" dirty="0" err="1"/>
+              <a:rPr lang="en-GB" sz="1400" dirty="0" err="1"/>
               <a:t>org.nbicocchi</a:t>
             </a:r>
             <a:r>
-              <a:rPr lang="en-GB" sz="1200" dirty="0"/>
+              <a:rPr lang="en-GB" sz="1400" dirty="0"/>
               <a:t>'</a:t>
             </a:r>
             <a:br>
-              <a:rPr lang="en-GB" sz="1200" dirty="0"/>
+              <a:rPr lang="en-GB" sz="1400" dirty="0"/>
             </a:br>
             <a:r>
-              <a:rPr lang="en-GB" sz="1200" dirty="0"/>
+              <a:rPr lang="en-GB" sz="1400" dirty="0"/>
               <a:t>version '1.0-SNAPSHOT'</a:t>
             </a:r>
             <a:br>
-              <a:rPr lang="en-GB" sz="1200" dirty="0"/>
+              <a:rPr lang="en-GB" sz="1400" dirty="0"/>
             </a:br>
             <a:br>
-              <a:rPr lang="en-GB" sz="1200" dirty="0"/>
+              <a:rPr lang="en-GB" sz="1400" dirty="0"/>
             </a:br>
             <a:r>
-              <a:rPr lang="en-GB" sz="1200" dirty="0"/>
+              <a:rPr lang="en-GB" sz="1400" dirty="0"/>
               <a:t>repositories </a:t>
             </a:r>
             <a:r>
-              <a:rPr lang="en-GB" sz="1200" b="1" dirty="0"/>
+              <a:rPr lang="en-GB" sz="1400" b="1" dirty="0"/>
               <a:t>{</a:t>
             </a:r>
             <a:br>
-              <a:rPr lang="en-GB" sz="1200" b="1" dirty="0"/>
+              <a:rPr lang="en-GB" sz="1400" b="1" dirty="0"/>
             </a:br>
             <a:r>
-              <a:rPr lang="en-GB" sz="1200" b="1" dirty="0"/>
+              <a:rPr lang="en-GB" sz="1400" b="1" dirty="0"/>
               <a:t>    </a:t>
             </a:r>
             <a:r>
-              <a:rPr lang="en-GB" sz="1200" dirty="0" err="1"/>
+              <a:rPr lang="en-GB" sz="1400" dirty="0" err="1"/>
               <a:t>mavenCentral</a:t>
             </a:r>
             <a:r>
-              <a:rPr lang="en-GB" sz="1200" dirty="0"/>
+              <a:rPr lang="en-GB" sz="1400" dirty="0"/>
               <a:t>()</a:t>
             </a:r>
             <a:br>
-              <a:rPr lang="en-GB" sz="1200" dirty="0"/>
+              <a:rPr lang="en-GB" sz="1400" dirty="0"/>
             </a:br>
             <a:r>
-              <a:rPr lang="en-GB" sz="1200" b="1" dirty="0"/>
+              <a:rPr lang="en-GB" sz="1400" b="1" dirty="0"/>
               <a:t>}</a:t>
             </a:r>
             <a:br>
-              <a:rPr lang="en-GB" sz="1200" b="1" dirty="0"/>
+              <a:rPr lang="en-GB" sz="1400" b="1" dirty="0"/>
             </a:br>
             <a:br>
-              <a:rPr lang="en-GB" sz="1200" b="1" dirty="0"/>
+              <a:rPr lang="en-GB" sz="1400" b="1" dirty="0"/>
             </a:br>
             <a:r>
-              <a:rPr lang="en-GB" sz="1200" dirty="0"/>
+              <a:rPr lang="en-GB" sz="1400" dirty="0"/>
               <a:t>dependencies </a:t>
             </a:r>
             <a:r>
-              <a:rPr lang="en-GB" sz="1200" b="1" dirty="0"/>
+              <a:rPr lang="en-GB" sz="1400" b="1" dirty="0"/>
               <a:t>{</a:t>
             </a:r>
+          </a:p>
+          <a:p>
+            <a:pPr marL="0" indent="0">
+              <a:buNone/>
+            </a:pPr>
+            <a:r>
+              <a:rPr lang="en-GB" sz="1400" b="1" dirty="0"/>
+              <a:t>	…</a:t>
+            </a:r>
             <a:br>
-              <a:rPr lang="en-GB" sz="1200" b="1" dirty="0"/>
+              <a:rPr lang="en-GB" sz="1400" b="1" dirty="0"/>
             </a:br>
             <a:r>
-              <a:rPr lang="en-GB" sz="1200" b="1" dirty="0"/>
-              <a:t>    </a:t>
-            </a:r>
-            <a:r>
-              <a:rPr lang="en-GB" sz="1200" dirty="0" err="1"/>
-              <a:t>testImplementation</a:t>
-            </a:r>
-            <a:r>
-              <a:rPr lang="en-GB" sz="1200" dirty="0"/>
-              <a:t> 'junit:junit:4.13'</a:t>
+              <a:rPr lang="en-GB" sz="1400" b="1" dirty="0"/>
+              <a:t> 	implementation 'com.zaxxer:HikariCP:5.0.1'</a:t>
+            </a:r>
+          </a:p>
+          <a:p>
+            <a:pPr marL="0" indent="0">
+              <a:buNone/>
+            </a:pPr>
+            <a:r>
+              <a:rPr lang="en-GB" sz="1400" b="1" dirty="0"/>
+              <a:t>    	implementation 'mysql:mysql-connector-java:8.0.32'</a:t>
+            </a:r>
+          </a:p>
+          <a:p>
+            <a:pPr marL="0" indent="0">
+              <a:buNone/>
+            </a:pPr>
+            <a:r>
+              <a:rPr lang="en-GB" sz="1400" b="1" dirty="0"/>
+              <a:t>    	implementation 'org.xerial:sqlite-jdbc:3.39.3.0'</a:t>
+            </a:r>
+          </a:p>
+          <a:p>
+            <a:pPr marL="0" indent="0">
+              <a:buNone/>
+            </a:pPr>
+            <a:r>
+              <a:rPr lang="en-GB" sz="1400" b="1" dirty="0"/>
+              <a:t>    	implementation 'com.h2database:h2:2.1.214'</a:t>
+            </a:r>
+          </a:p>
+          <a:p>
+            <a:pPr marL="0" indent="0">
+              <a:buNone/>
+            </a:pPr>
+            <a:r>
+              <a:rPr lang="en-GB" sz="1400" b="1" dirty="0"/>
+              <a:t>    	implementation 'com.microsoft.sqlserver:mssql-jdbc:11.2.1.jre17’</a:t>
+            </a:r>
+          </a:p>
+          <a:p>
+            <a:pPr marL="0" indent="0">
+              <a:buNone/>
+            </a:pPr>
+            <a:r>
+              <a:rPr lang="en-GB" sz="1400" b="1" dirty="0"/>
+              <a:t>	…</a:t>
             </a:r>
             <a:br>
-              <a:rPr lang="en-GB" sz="1200" dirty="0"/>
+              <a:rPr lang="en-GB" sz="1400" dirty="0"/>
             </a:br>
             <a:r>
-              <a:rPr lang="en-GB" sz="1200" dirty="0"/>
-              <a:t>    </a:t>
-            </a:r>
-            <a:r>
-              <a:rPr lang="en-GB" sz="1200" dirty="0" err="1"/>
-              <a:t>testImplementation</a:t>
-            </a:r>
-            <a:r>
-              <a:rPr lang="en-GB" sz="1200" dirty="0"/>
-              <a:t> 'com.openpojo:openpojo:0.8.13'</a:t>
+              <a:rPr lang="en-GB" sz="1400" b="1" dirty="0"/>
+              <a:t>}</a:t>
             </a:r>
             <a:br>
-              <a:rPr lang="en-GB" sz="1200" dirty="0"/>
-            </a:br>
-            <a:r>
-              <a:rPr lang="en-GB" sz="1200" dirty="0"/>
-              <a:t>    implementation 'org.jetbrains:annotations:19.0.0'</a:t>
-            </a:r>
-            <a:br>
-              <a:rPr lang="en-GB" sz="1200" dirty="0"/>
-            </a:br>
-            <a:r>
-              <a:rPr lang="en-GB" sz="1200" dirty="0"/>
-              <a:t>    implementation 'joda-time:joda-time:2.10.6'</a:t>
-            </a:r>
-            <a:br>
-              <a:rPr lang="en-GB" sz="1200" dirty="0"/>
-            </a:br>
-            <a:r>
-              <a:rPr lang="en-GB" sz="1200" dirty="0">
-                <a:solidFill>
-                  <a:schemeClr val="accent6">
-                    <a:lumMod val="75000"/>
-                  </a:schemeClr>
-                </a:solidFill>
-              </a:rPr>
-              <a:t>    implementation 'org.xerial:sqlite-jdbc:3.34.0'</a:t>
-            </a:r>
-            <a:br>
-              <a:rPr lang="en-GB" sz="1200" dirty="0">
-                <a:solidFill>
-                  <a:schemeClr val="accent6">
-                    <a:lumMod val="75000"/>
-                  </a:schemeClr>
-                </a:solidFill>
-              </a:rPr>
-            </a:br>
-            <a:r>
-              <a:rPr lang="en-GB" sz="1200" dirty="0">
-                <a:solidFill>
-                  <a:schemeClr val="accent6">
-                    <a:lumMod val="75000"/>
-                  </a:schemeClr>
-                </a:solidFill>
-              </a:rPr>
-              <a:t>    implementation 'mysql:mysql-connector-java:8.0.22'</a:t>
-            </a:r>
-            <a:br>
-              <a:rPr lang="en-GB" sz="1200" dirty="0">
-                <a:solidFill>
-                  <a:schemeClr val="accent6">
-                    <a:lumMod val="75000"/>
-                  </a:schemeClr>
-                </a:solidFill>
-              </a:rPr>
-            </a:br>
-            <a:r>
-              <a:rPr lang="en-GB" sz="1200" dirty="0">
-                <a:solidFill>
-                  <a:schemeClr val="accent6">
-                    <a:lumMod val="75000"/>
-                  </a:schemeClr>
-                </a:solidFill>
-              </a:rPr>
-              <a:t>    implementation 'com.microsoft.sqlserver:mssql-jdbc:9.2.1.jre15'</a:t>
-            </a:r>
-            <a:br>
-              <a:rPr lang="en-GB" sz="1200" dirty="0"/>
-            </a:br>
-            <a:r>
-              <a:rPr lang="en-GB" sz="1200" dirty="0"/>
-              <a:t>    implementation 'com.sparkjava:spark-core:2.5.5'</a:t>
-            </a:r>
-            <a:br>
-              <a:rPr lang="en-GB" sz="1200" dirty="0"/>
-            </a:br>
-            <a:r>
-              <a:rPr lang="en-GB" sz="1200" dirty="0"/>
-              <a:t>    implementation 'com.konghq:unirest-java:3.11.00'</a:t>
-            </a:r>
-            <a:br>
-              <a:rPr lang="en-GB" sz="1200" dirty="0"/>
-            </a:br>
-            <a:r>
-              <a:rPr lang="en-GB" sz="1200" dirty="0"/>
-              <a:t>    implementation 'com.sparkjava:spark-core:2.5.5'</a:t>
-            </a:r>
-            <a:br>
-              <a:rPr lang="en-GB" sz="1200" dirty="0"/>
-            </a:br>
-            <a:r>
-              <a:rPr lang="en-GB" sz="1200" dirty="0"/>
-              <a:t>    implementation 'com.fasterxml.jackson.core:jackson-core:2.11.3'</a:t>
-            </a:r>
-            <a:br>
-              <a:rPr lang="en-GB" sz="1200" dirty="0"/>
-            </a:br>
-            <a:r>
-              <a:rPr lang="en-GB" sz="1200" dirty="0"/>
-              <a:t>    implementation 'com.fasterxml.jackson.core:jackson-databind:2.11.3'</a:t>
-            </a:r>
-            <a:br>
-              <a:rPr lang="en-GB" sz="1200" dirty="0"/>
-            </a:br>
-            <a:r>
-              <a:rPr lang="en-GB" sz="1200" dirty="0"/>
-              <a:t>    implementation 'com.formdev:flatlaf:1.0'</a:t>
-            </a:r>
-            <a:br>
-              <a:rPr lang="en-GB" sz="1200" dirty="0"/>
-            </a:br>
-            <a:r>
-              <a:rPr lang="en-GB" sz="1200" b="1" dirty="0"/>
-              <a:t>}</a:t>
-            </a:r>
-            <a:br>
-              <a:rPr lang="en-GB" sz="1200" b="1" dirty="0"/>
+              <a:rPr lang="en-GB" sz="1400" b="1" dirty="0"/>
             </a:br>
             <a:br>
-              <a:rPr lang="en-GB" sz="1200" b="1" dirty="0"/>
+              <a:rPr lang="en-GB" sz="1400" b="1" dirty="0"/>
             </a:br>
-            <a:endParaRPr lang="en-IT" sz="1200" dirty="0"/>
+            <a:endParaRPr lang="en-IT" sz="1400" dirty="0"/>
           </a:p>
         </p:txBody>
       </p:sp>
